--- a/Презентация/Урубков Диплом презентация печать.pptx
+++ b/Презентация/Урубков Диплом презентация печать.pptx
@@ -267,7 +267,7 @@
           <a:p>
             <a:fld id="{62039D10-B407-417D-B9A7-5ABFBCE35229}" type="datetimeFigureOut">
               <a:rPr lang="ru-RU" smtClean="0"/>
-              <a:t>30.05.2022</a:t>
+              <a:t>31.05.2022</a:t>
             </a:fld>
             <a:endParaRPr lang="ru-RU"/>
           </a:p>
@@ -437,7 +437,7 @@
           <a:p>
             <a:fld id="{62039D10-B407-417D-B9A7-5ABFBCE35229}" type="datetimeFigureOut">
               <a:rPr lang="ru-RU" smtClean="0"/>
-              <a:t>30.05.2022</a:t>
+              <a:t>31.05.2022</a:t>
             </a:fld>
             <a:endParaRPr lang="ru-RU"/>
           </a:p>
@@ -617,7 +617,7 @@
           <a:p>
             <a:fld id="{62039D10-B407-417D-B9A7-5ABFBCE35229}" type="datetimeFigureOut">
               <a:rPr lang="ru-RU" smtClean="0"/>
-              <a:t>30.05.2022</a:t>
+              <a:t>31.05.2022</a:t>
             </a:fld>
             <a:endParaRPr lang="ru-RU"/>
           </a:p>
@@ -787,7 +787,7 @@
           <a:p>
             <a:fld id="{62039D10-B407-417D-B9A7-5ABFBCE35229}" type="datetimeFigureOut">
               <a:rPr lang="ru-RU" smtClean="0"/>
-              <a:t>30.05.2022</a:t>
+              <a:t>31.05.2022</a:t>
             </a:fld>
             <a:endParaRPr lang="ru-RU"/>
           </a:p>
@@ -1033,7 +1033,7 @@
           <a:p>
             <a:fld id="{62039D10-B407-417D-B9A7-5ABFBCE35229}" type="datetimeFigureOut">
               <a:rPr lang="ru-RU" smtClean="0"/>
-              <a:t>30.05.2022</a:t>
+              <a:t>31.05.2022</a:t>
             </a:fld>
             <a:endParaRPr lang="ru-RU"/>
           </a:p>
@@ -1265,7 +1265,7 @@
           <a:p>
             <a:fld id="{62039D10-B407-417D-B9A7-5ABFBCE35229}" type="datetimeFigureOut">
               <a:rPr lang="ru-RU" smtClean="0"/>
-              <a:t>30.05.2022</a:t>
+              <a:t>31.05.2022</a:t>
             </a:fld>
             <a:endParaRPr lang="ru-RU"/>
           </a:p>
@@ -1632,7 +1632,7 @@
           <a:p>
             <a:fld id="{62039D10-B407-417D-B9A7-5ABFBCE35229}" type="datetimeFigureOut">
               <a:rPr lang="ru-RU" smtClean="0"/>
-              <a:t>30.05.2022</a:t>
+              <a:t>31.05.2022</a:t>
             </a:fld>
             <a:endParaRPr lang="ru-RU"/>
           </a:p>
@@ -1750,7 +1750,7 @@
           <a:p>
             <a:fld id="{62039D10-B407-417D-B9A7-5ABFBCE35229}" type="datetimeFigureOut">
               <a:rPr lang="ru-RU" smtClean="0"/>
-              <a:t>30.05.2022</a:t>
+              <a:t>31.05.2022</a:t>
             </a:fld>
             <a:endParaRPr lang="ru-RU"/>
           </a:p>
@@ -1845,7 +1845,7 @@
           <a:p>
             <a:fld id="{62039D10-B407-417D-B9A7-5ABFBCE35229}" type="datetimeFigureOut">
               <a:rPr lang="ru-RU" smtClean="0"/>
-              <a:t>30.05.2022</a:t>
+              <a:t>31.05.2022</a:t>
             </a:fld>
             <a:endParaRPr lang="ru-RU"/>
           </a:p>
@@ -2122,7 +2122,7 @@
           <a:p>
             <a:fld id="{62039D10-B407-417D-B9A7-5ABFBCE35229}" type="datetimeFigureOut">
               <a:rPr lang="ru-RU" smtClean="0"/>
-              <a:t>30.05.2022</a:t>
+              <a:t>31.05.2022</a:t>
             </a:fld>
             <a:endParaRPr lang="ru-RU"/>
           </a:p>
@@ -2375,7 +2375,7 @@
           <a:p>
             <a:fld id="{62039D10-B407-417D-B9A7-5ABFBCE35229}" type="datetimeFigureOut">
               <a:rPr lang="ru-RU" smtClean="0"/>
-              <a:t>30.05.2022</a:t>
+              <a:t>31.05.2022</a:t>
             </a:fld>
             <a:endParaRPr lang="ru-RU"/>
           </a:p>
@@ -2588,7 +2588,7 @@
           <a:p>
             <a:fld id="{62039D10-B407-417D-B9A7-5ABFBCE35229}" type="datetimeFigureOut">
               <a:rPr lang="ru-RU" smtClean="0"/>
-              <a:t>30.05.2022</a:t>
+              <a:t>31.05.2022</a:t>
             </a:fld>
             <a:endParaRPr lang="ru-RU"/>
           </a:p>
@@ -9061,16 +9061,13 @@
             </a:pPr>
             <a:r>
               <a:rPr lang="ru-RU" sz="2600" dirty="0" smtClean="0"/>
-              <a:t>Использовались следующие инструменты и технологии, предоставляемые платформой </a:t>
-            </a:r>
-            <a:r>
-              <a:rPr lang="en-US" sz="2600" dirty="0" smtClean="0"/>
-              <a:t>.NET</a:t>
+              <a:t>Использовались следующие инструменты и </a:t>
             </a:r>
             <a:r>
               <a:rPr lang="ru-RU" sz="2600" dirty="0" smtClean="0"/>
-              <a:t>:</a:t>
-            </a:r>
+              <a:t>технологии:</a:t>
+            </a:r>
+            <a:endParaRPr lang="ru-RU" sz="2600" dirty="0" smtClean="0"/>
           </a:p>
           <a:p>
             <a:r>
